--- a/prezentacie/p18w.pptx
+++ b/prezentacie/p18w.pptx
@@ -253,7 +253,7 @@
           <a:p>
             <a:fld id="{10052495-8BC8-4CFB-94B1-B0429F101A0D}" type="datetimeFigureOut">
               <a:rPr lang="sk-SK" smtClean="0"/>
-              <a:t>15. 2. 2026</a:t>
+              <a:t>17. 2. 2026</a:t>
             </a:fld>
             <a:endParaRPr lang="sk-SK"/>
           </a:p>
@@ -423,7 +423,7 @@
           <a:p>
             <a:fld id="{10052495-8BC8-4CFB-94B1-B0429F101A0D}" type="datetimeFigureOut">
               <a:rPr lang="sk-SK" smtClean="0"/>
-              <a:t>15. 2. 2026</a:t>
+              <a:t>17. 2. 2026</a:t>
             </a:fld>
             <a:endParaRPr lang="sk-SK"/>
           </a:p>
@@ -603,7 +603,7 @@
           <a:p>
             <a:fld id="{10052495-8BC8-4CFB-94B1-B0429F101A0D}" type="datetimeFigureOut">
               <a:rPr lang="sk-SK" smtClean="0"/>
-              <a:t>15. 2. 2026</a:t>
+              <a:t>17. 2. 2026</a:t>
             </a:fld>
             <a:endParaRPr lang="sk-SK"/>
           </a:p>
@@ -773,7 +773,7 @@
           <a:p>
             <a:fld id="{10052495-8BC8-4CFB-94B1-B0429F101A0D}" type="datetimeFigureOut">
               <a:rPr lang="sk-SK" smtClean="0"/>
-              <a:t>15. 2. 2026</a:t>
+              <a:t>17. 2. 2026</a:t>
             </a:fld>
             <a:endParaRPr lang="sk-SK"/>
           </a:p>
@@ -1019,7 +1019,7 @@
           <a:p>
             <a:fld id="{10052495-8BC8-4CFB-94B1-B0429F101A0D}" type="datetimeFigureOut">
               <a:rPr lang="sk-SK" smtClean="0"/>
-              <a:t>15. 2. 2026</a:t>
+              <a:t>17. 2. 2026</a:t>
             </a:fld>
             <a:endParaRPr lang="sk-SK"/>
           </a:p>
@@ -1251,7 +1251,7 @@
           <a:p>
             <a:fld id="{10052495-8BC8-4CFB-94B1-B0429F101A0D}" type="datetimeFigureOut">
               <a:rPr lang="sk-SK" smtClean="0"/>
-              <a:t>15. 2. 2026</a:t>
+              <a:t>17. 2. 2026</a:t>
             </a:fld>
             <a:endParaRPr lang="sk-SK"/>
           </a:p>
@@ -1618,7 +1618,7 @@
           <a:p>
             <a:fld id="{10052495-8BC8-4CFB-94B1-B0429F101A0D}" type="datetimeFigureOut">
               <a:rPr lang="sk-SK" smtClean="0"/>
-              <a:t>15. 2. 2026</a:t>
+              <a:t>17. 2. 2026</a:t>
             </a:fld>
             <a:endParaRPr lang="sk-SK"/>
           </a:p>
@@ -1736,7 +1736,7 @@
           <a:p>
             <a:fld id="{10052495-8BC8-4CFB-94B1-B0429F101A0D}" type="datetimeFigureOut">
               <a:rPr lang="sk-SK" smtClean="0"/>
-              <a:t>15. 2. 2026</a:t>
+              <a:t>17. 2. 2026</a:t>
             </a:fld>
             <a:endParaRPr lang="sk-SK"/>
           </a:p>
@@ -1831,7 +1831,7 @@
           <a:p>
             <a:fld id="{10052495-8BC8-4CFB-94B1-B0429F101A0D}" type="datetimeFigureOut">
               <a:rPr lang="sk-SK" smtClean="0"/>
-              <a:t>15. 2. 2026</a:t>
+              <a:t>17. 2. 2026</a:t>
             </a:fld>
             <a:endParaRPr lang="sk-SK"/>
           </a:p>
@@ -2108,7 +2108,7 @@
           <a:p>
             <a:fld id="{10052495-8BC8-4CFB-94B1-B0429F101A0D}" type="datetimeFigureOut">
               <a:rPr lang="sk-SK" smtClean="0"/>
-              <a:t>15. 2. 2026</a:t>
+              <a:t>17. 2. 2026</a:t>
             </a:fld>
             <a:endParaRPr lang="sk-SK"/>
           </a:p>
@@ -2365,7 +2365,7 @@
           <a:p>
             <a:fld id="{10052495-8BC8-4CFB-94B1-B0429F101A0D}" type="datetimeFigureOut">
               <a:rPr lang="sk-SK" smtClean="0"/>
-              <a:t>15. 2. 2026</a:t>
+              <a:t>17. 2. 2026</a:t>
             </a:fld>
             <a:endParaRPr lang="sk-SK"/>
           </a:p>
@@ -2578,7 +2578,7 @@
           <a:p>
             <a:fld id="{10052495-8BC8-4CFB-94B1-B0429F101A0D}" type="datetimeFigureOut">
               <a:rPr lang="sk-SK" smtClean="0"/>
-              <a:t>15. 2. 2026</a:t>
+              <a:t>17. 2. 2026</a:t>
             </a:fld>
             <a:endParaRPr lang="sk-SK"/>
           </a:p>
@@ -3520,7 +3520,19 @@
             </a:br>
             <a:r>
               <a:rPr lang="sk-SK" b="1" dirty="0"/>
-              <a:t>Ing. Jozef Wagner PhD.</a:t>
+              <a:t>Ing. Jozef Wagner</a:t>
+            </a:r>
+            <a:r>
+              <a:rPr lang="en-US" b="1"/>
+              <a:t>,</a:t>
+            </a:r>
+            <a:r>
+              <a:rPr lang="sk-SK" b="1"/>
+              <a:t> </a:t>
+            </a:r>
+            <a:r>
+              <a:rPr lang="sk-SK" b="1" dirty="0"/>
+              <a:t>PhD.</a:t>
             </a:r>
           </a:p>
           <a:p>
